--- a/RTPSUG.pptx
+++ b/RTPSUG.pptx
@@ -8,6 +8,7 @@
     <p:sldId id="256" r:id="rId2"/>
     <p:sldId id="257" r:id="rId3"/>
     <p:sldId id="258" r:id="rId4"/>
+    <p:sldId id="259" r:id="rId5"/>
   </p:sldIdLst>
   <p:sldSz cx="12192000" cy="6858000"/>
   <p:notesSz cx="6858000" cy="9144000"/>
@@ -106,6 +107,11 @@
       </a:defRPr>
     </a:lvl9pPr>
   </p:defaultTextStyle>
+  <p:extLst>
+    <p:ext uri="{EFAFB233-063F-42B5-8137-9DF3F51BA10A}">
+      <p15:sldGuideLst xmlns:p15="http://schemas.microsoft.com/office/powerpoint/2012/main"/>
+    </p:ext>
+  </p:extLst>
 </p:presentation>
 </file>
 
@@ -298,7 +304,7 @@
             <a:fld id="{B61BEF0D-F0BB-DE4B-95CE-6DB70DBA9567}" type="datetimeFigureOut">
               <a:rPr lang="en-US" dirty="0"/>
               <a:pPr/>
-              <a:t>10/25/2018</a:t>
+              <a:t>11/7/2018</a:t>
             </a:fld>
             <a:endParaRPr lang="en-US" dirty="0"/>
           </a:p>
@@ -633,7 +639,7 @@
             <a:fld id="{B61BEF0D-F0BB-DE4B-95CE-6DB70DBA9567}" type="datetimeFigureOut">
               <a:rPr lang="en-US" dirty="0"/>
               <a:pPr/>
-              <a:t>10/25/2018</a:t>
+              <a:t>11/7/2018</a:t>
             </a:fld>
             <a:endParaRPr lang="en-US" dirty="0"/>
           </a:p>
@@ -1031,7 +1037,7 @@
             <a:fld id="{B61BEF0D-F0BB-DE4B-95CE-6DB70DBA9567}" type="datetimeFigureOut">
               <a:rPr lang="en-US" dirty="0"/>
               <a:pPr/>
-              <a:t>10/25/2018</a:t>
+              <a:t>11/7/2018</a:t>
             </a:fld>
             <a:endParaRPr lang="en-US" dirty="0"/>
           </a:p>
@@ -1364,7 +1370,7 @@
             <a:fld id="{B61BEF0D-F0BB-DE4B-95CE-6DB70DBA9567}" type="datetimeFigureOut">
               <a:rPr lang="en-US" dirty="0"/>
               <a:pPr/>
-              <a:t>10/25/2018</a:t>
+              <a:t>11/7/2018</a:t>
             </a:fld>
             <a:endParaRPr lang="en-US" dirty="0"/>
           </a:p>
@@ -1681,7 +1687,7 @@
             <a:fld id="{B61BEF0D-F0BB-DE4B-95CE-6DB70DBA9567}" type="datetimeFigureOut">
               <a:rPr lang="en-US" dirty="0"/>
               <a:pPr/>
-              <a:t>10/25/2018</a:t>
+              <a:t>11/7/2018</a:t>
             </a:fld>
             <a:endParaRPr lang="en-US" dirty="0"/>
           </a:p>
@@ -2074,7 +2080,7 @@
             <a:fld id="{B61BEF0D-F0BB-DE4B-95CE-6DB70DBA9567}" type="datetimeFigureOut">
               <a:rPr lang="en-US" dirty="0"/>
               <a:pPr/>
-              <a:t>10/25/2018</a:t>
+              <a:t>11/7/2018</a:t>
             </a:fld>
             <a:endParaRPr lang="en-US" dirty="0"/>
           </a:p>
@@ -2328,7 +2334,7 @@
             <a:fld id="{B61BEF0D-F0BB-DE4B-95CE-6DB70DBA9567}" type="datetimeFigureOut">
               <a:rPr lang="en-US" dirty="0"/>
               <a:pPr/>
-              <a:t>10/25/2018</a:t>
+              <a:t>11/7/2018</a:t>
             </a:fld>
             <a:endParaRPr lang="en-US" dirty="0"/>
           </a:p>
@@ -2587,7 +2593,7 @@
             <a:fld id="{B61BEF0D-F0BB-DE4B-95CE-6DB70DBA9567}" type="datetimeFigureOut">
               <a:rPr lang="en-US" dirty="0"/>
               <a:pPr/>
-              <a:t>10/25/2018</a:t>
+              <a:t>11/7/2018</a:t>
             </a:fld>
             <a:endParaRPr lang="en-US" dirty="0"/>
           </a:p>
@@ -2846,7 +2852,7 @@
             <a:fld id="{B61BEF0D-F0BB-DE4B-95CE-6DB70DBA9567}" type="datetimeFigureOut">
               <a:rPr lang="en-US" dirty="0"/>
               <a:pPr/>
-              <a:t>10/25/2018</a:t>
+              <a:t>11/7/2018</a:t>
             </a:fld>
             <a:endParaRPr lang="en-US" dirty="0"/>
           </a:p>
@@ -3172,7 +3178,7 @@
             <a:fld id="{B61BEF0D-F0BB-DE4B-95CE-6DB70DBA9567}" type="datetimeFigureOut">
               <a:rPr lang="en-US" dirty="0"/>
               <a:pPr/>
-              <a:t>10/25/2018</a:t>
+              <a:t>11/7/2018</a:t>
             </a:fld>
             <a:endParaRPr lang="en-US" dirty="0"/>
           </a:p>
@@ -3492,7 +3498,7 @@
             <a:fld id="{B61BEF0D-F0BB-DE4B-95CE-6DB70DBA9567}" type="datetimeFigureOut">
               <a:rPr lang="en-US" dirty="0"/>
               <a:pPr/>
-              <a:t>10/25/2018</a:t>
+              <a:t>11/7/2018</a:t>
             </a:fld>
             <a:endParaRPr lang="en-US" dirty="0"/>
           </a:p>
@@ -3946,7 +3952,7 @@
             <a:fld id="{B61BEF0D-F0BB-DE4B-95CE-6DB70DBA9567}" type="datetimeFigureOut">
               <a:rPr lang="en-US" dirty="0"/>
               <a:pPr/>
-              <a:t>10/25/2018</a:t>
+              <a:t>11/7/2018</a:t>
             </a:fld>
             <a:endParaRPr lang="en-US" dirty="0"/>
           </a:p>
@@ -4148,7 +4154,7 @@
             <a:fld id="{B61BEF0D-F0BB-DE4B-95CE-6DB70DBA9567}" type="datetimeFigureOut">
               <a:rPr lang="en-US" dirty="0"/>
               <a:pPr/>
-              <a:t>10/25/2018</a:t>
+              <a:t>11/7/2018</a:t>
             </a:fld>
             <a:endParaRPr lang="en-US" dirty="0"/>
           </a:p>
@@ -4322,7 +4328,7 @@
             <a:fld id="{B61BEF0D-F0BB-DE4B-95CE-6DB70DBA9567}" type="datetimeFigureOut">
               <a:rPr lang="en-US" dirty="0"/>
               <a:pPr/>
-              <a:t>10/25/2018</a:t>
+              <a:t>11/7/2018</a:t>
             </a:fld>
             <a:endParaRPr lang="en-US" dirty="0"/>
           </a:p>
@@ -4652,7 +4658,7 @@
             <a:fld id="{B61BEF0D-F0BB-DE4B-95CE-6DB70DBA9567}" type="datetimeFigureOut">
               <a:rPr lang="en-US" dirty="0"/>
               <a:pPr/>
-              <a:t>10/25/2018</a:t>
+              <a:t>11/7/2018</a:t>
             </a:fld>
             <a:endParaRPr lang="en-US" dirty="0"/>
           </a:p>
@@ -4994,7 +5000,7 @@
             <a:fld id="{B61BEF0D-F0BB-DE4B-95CE-6DB70DBA9567}" type="datetimeFigureOut">
               <a:rPr lang="en-US" dirty="0"/>
               <a:pPr/>
-              <a:t>10/25/2018</a:t>
+              <a:t>11/7/2018</a:t>
             </a:fld>
             <a:endParaRPr lang="en-US" dirty="0"/>
           </a:p>
@@ -7045,7 +7051,7 @@
             <a:fld id="{B61BEF0D-F0BB-DE4B-95CE-6DB70DBA9567}" type="datetimeFigureOut">
               <a:rPr lang="en-US" dirty="0"/>
               <a:pPr/>
-              <a:t>10/25/2018</a:t>
+              <a:t>11/7/2018</a:t>
             </a:fld>
             <a:endParaRPr lang="en-US" dirty="0"/>
           </a:p>
@@ -7697,6 +7703,70 @@
           </a:prstGeom>
         </p:spPr>
       </p:pic>
+      <p:pic>
+        <p:nvPicPr>
+          <p:cNvPr id="5" name="Picture 4"/>
+          <p:cNvPicPr>
+            <a:picLocks noChangeAspect="1"/>
+          </p:cNvPicPr>
+          <p:nvPr/>
+        </p:nvPicPr>
+        <p:blipFill>
+          <a:blip r:embed="rId4">
+            <a:extLst>
+              <a:ext uri="{28A0092B-C50C-407E-A947-70E740481C1C}">
+                <a14:useLocalDpi xmlns:a14="http://schemas.microsoft.com/office/drawing/2010/main" val="0"/>
+              </a:ext>
+            </a:extLst>
+          </a:blip>
+          <a:stretch>
+            <a:fillRect/>
+          </a:stretch>
+        </p:blipFill>
+        <p:spPr>
+          <a:xfrm>
+            <a:off x="3534701" y="5903662"/>
+            <a:ext cx="806603" cy="563100"/>
+          </a:xfrm>
+          <a:prstGeom prst="rect">
+            <a:avLst/>
+          </a:prstGeom>
+        </p:spPr>
+      </p:pic>
+      <p:sp>
+        <p:nvSpPr>
+          <p:cNvPr id="6" name="TextBox 5"/>
+          <p:cNvSpPr txBox="1"/>
+          <p:nvPr/>
+        </p:nvSpPr>
+        <p:spPr>
+          <a:xfrm>
+            <a:off x="4341304" y="5982342"/>
+            <a:ext cx="4308653" cy="369332"/>
+          </a:xfrm>
+          <a:prstGeom prst="rect">
+            <a:avLst/>
+          </a:prstGeom>
+          <a:noFill/>
+        </p:spPr>
+        <p:txBody>
+          <a:bodyPr wrap="square" rtlCol="0">
+            <a:spAutoFit/>
+          </a:bodyPr>
+          <a:lstStyle/>
+          <a:p>
+            <a:r>
+              <a:rPr lang="en-US" dirty="0" smtClean="0"/>
+              <a:t>: Lead Author of </a:t>
+            </a:r>
+            <a:r>
+              <a:rPr lang="en-US" dirty="0" err="1" smtClean="0"/>
+              <a:t>PSSysadminToolkit</a:t>
+            </a:r>
+            <a:endParaRPr lang="en-US" dirty="0"/>
+          </a:p>
+        </p:txBody>
+      </p:sp>
     </p:spTree>
     <p:extLst>
       <p:ext uri="{BB962C8B-B14F-4D97-AF65-F5344CB8AC3E}">
@@ -7874,6 +7944,120 @@
     <p:extLst>
       <p:ext uri="{BB962C8B-B14F-4D97-AF65-F5344CB8AC3E}">
         <p14:creationId xmlns:p14="http://schemas.microsoft.com/office/powerpoint/2010/main" val="1872983159"/>
+      </p:ext>
+    </p:extLst>
+  </p:cSld>
+  <p:clrMapOvr>
+    <a:masterClrMapping/>
+  </p:clrMapOvr>
+</p:sld>
+</file>
+
+<file path=ppt/slides/slide4.xml><?xml version="1.0" encoding="utf-8"?>
+<p:sld xmlns:a="http://schemas.openxmlformats.org/drawingml/2006/main" xmlns:r="http://schemas.openxmlformats.org/officeDocument/2006/relationships" xmlns:p="http://schemas.openxmlformats.org/presentationml/2006/main">
+  <p:cSld>
+    <p:spTree>
+      <p:nvGrpSpPr>
+        <p:cNvPr id="1" name=""/>
+        <p:cNvGrpSpPr/>
+        <p:nvPr/>
+      </p:nvGrpSpPr>
+      <p:grpSpPr>
+        <a:xfrm>
+          <a:off x="0" y="0"/>
+          <a:ext cx="0" cy="0"/>
+          <a:chOff x="0" y="0"/>
+          <a:chExt cx="0" cy="0"/>
+        </a:xfrm>
+      </p:grpSpPr>
+      <p:sp>
+        <p:nvSpPr>
+          <p:cNvPr id="2" name="Title 1"/>
+          <p:cNvSpPr>
+            <a:spLocks noGrp="1"/>
+          </p:cNvSpPr>
+          <p:nvPr>
+            <p:ph type="ctrTitle"/>
+          </p:nvPr>
+        </p:nvSpPr>
+        <p:spPr/>
+        <p:txBody>
+          <a:bodyPr/>
+          <a:lstStyle/>
+          <a:p>
+            <a:r>
+              <a:rPr lang="en-US" dirty="0" smtClean="0"/>
+              <a:t>Demo Links</a:t>
+            </a:r>
+            <a:endParaRPr lang="en-US" dirty="0"/>
+          </a:p>
+        </p:txBody>
+      </p:sp>
+      <p:sp>
+        <p:nvSpPr>
+          <p:cNvPr id="3" name="Subtitle 2"/>
+          <p:cNvSpPr>
+            <a:spLocks noGrp="1"/>
+          </p:cNvSpPr>
+          <p:nvPr>
+            <p:ph type="subTitle" idx="1"/>
+          </p:nvPr>
+        </p:nvSpPr>
+        <p:spPr/>
+        <p:txBody>
+          <a:bodyPr/>
+          <a:lstStyle/>
+          <a:p>
+            <a:r>
+              <a:rPr lang="en-US" dirty="0"/>
+              <a:t>Presentation Materials: </a:t>
+            </a:r>
+            <a:r>
+              <a:rPr lang="en-US" dirty="0">
+                <a:hlinkClick r:id="rId2"/>
+              </a:rPr>
+              <a:t>https://</a:t>
+            </a:r>
+            <a:r>
+              <a:rPr lang="en-US" dirty="0" smtClean="0">
+                <a:hlinkClick r:id="rId2"/>
+              </a:rPr>
+              <a:t>github.com/steviecoaster/RTPSUG7Nov</a:t>
+            </a:r>
+            <a:endParaRPr lang="en-US" dirty="0" smtClean="0"/>
+          </a:p>
+          <a:p>
+            <a:r>
+              <a:rPr lang="en-US" dirty="0" err="1" smtClean="0"/>
+              <a:t>PSSysadminToolkit</a:t>
+            </a:r>
+            <a:r>
+              <a:rPr lang="en-US" dirty="0"/>
+              <a:t>: </a:t>
+            </a:r>
+            <a:r>
+              <a:rPr lang="en-US" dirty="0">
+                <a:hlinkClick r:id="rId3"/>
+              </a:rPr>
+              <a:t>https://</a:t>
+            </a:r>
+            <a:r>
+              <a:rPr lang="en-US" dirty="0" smtClean="0">
+                <a:hlinkClick r:id="rId3"/>
+              </a:rPr>
+              <a:t>github.com/steviecoaster/PSSysadminToolkit</a:t>
+            </a:r>
+            <a:endParaRPr lang="en-US" dirty="0" smtClean="0"/>
+          </a:p>
+          <a:p>
+            <a:endParaRPr lang="en-US" dirty="0"/>
+          </a:p>
+        </p:txBody>
+      </p:sp>
+    </p:spTree>
+    <p:extLst>
+      <p:ext uri="{BB962C8B-B14F-4D97-AF65-F5344CB8AC3E}">
+        <p14:creationId xmlns:p14="http://schemas.microsoft.com/office/powerpoint/2010/main" val="1323216305"/>
       </p:ext>
     </p:extLst>
   </p:cSld>
